--- a/1 CoreData or SQLite/Core Data or SQLite.pptx
+++ b/1 CoreData or SQLite/Core Data or SQLite.pptx
@@ -4668,6 +4668,15 @@
             <a:endParaRPr lang="en-US"/>
           </a:p>
           <a:p>
+            <a:r>
+              <a:rPr lang="en-US">
+                <a:hlinkClick r:id="rId5"/>
+              </a:rPr>
+              <a:t>https://github.com/PabloRueda/CoreDataTutorials</a:t>
+            </a:r>
+            <a:endParaRPr lang="en-US"/>
+          </a:p>
+          <a:p>
             <a:endParaRPr lang="en-US"/>
           </a:p>
           <a:p>
